--- a/Final.pptx
+++ b/Final.pptx
@@ -7,8 +7,9 @@
   <p:sldIdLst>
     <p:sldId id="256" r:id="rId2"/>
     <p:sldId id="257" r:id="rId3"/>
-    <p:sldId id="258" r:id="rId4"/>
-    <p:sldId id="259" r:id="rId5"/>
+    <p:sldId id="260" r:id="rId4"/>
+    <p:sldId id="258" r:id="rId5"/>
+    <p:sldId id="259" r:id="rId6"/>
   </p:sldIdLst>
   <p:sldSz cx="12192000" cy="6858000"/>
   <p:notesSz cx="6858000" cy="9144000"/>
@@ -107,6 +108,11 @@
       </a:defRPr>
     </a:lvl9pPr>
   </p:defaultTextStyle>
+  <p:extLst>
+    <p:ext uri="{EFAFB233-063F-42B5-8137-9DF3F51BA10A}">
+      <p15:sldGuideLst xmlns:p15="http://schemas.microsoft.com/office/powerpoint/2012/main"/>
+    </p:ext>
+  </p:extLst>
 </p:presentation>
 </file>
 
@@ -167,7 +173,7 @@
           <a:noFill/>
           <a:extLst>
             <a:ext uri="{909E8E84-426E-40dd-AFC4-6F175D3DCCD1}">
-              <a14:hiddenFill xmlns:a14="http://schemas.microsoft.com/office/drawing/2010/main" xmlns="">
+              <a14:hiddenFill xmlns="" xmlns:a14="http://schemas.microsoft.com/office/drawing/2010/main">
                 <a:solidFill>
                   <a:srgbClr val="FFFFFF"/>
                 </a:solidFill>
@@ -227,7 +233,7 @@
             </a:ln>
             <a:extLst>
               <a:ext uri="{91240B29-F687-4f45-9708-019B960494DF}">
-                <a14:hiddenLine xmlns:a14="http://schemas.microsoft.com/office/drawing/2010/main" xmlns="" w="9525">
+                <a14:hiddenLine xmlns="" xmlns:a14="http://schemas.microsoft.com/office/drawing/2010/main" w="9525">
                   <a:solidFill>
                     <a:srgbClr val="000000"/>
                   </a:solidFill>
@@ -317,7 +323,7 @@
             </a:ln>
             <a:extLst>
               <a:ext uri="{91240B29-F687-4f45-9708-019B960494DF}">
-                <a14:hiddenLine xmlns:a14="http://schemas.microsoft.com/office/drawing/2010/main" xmlns="" w="9525">
+                <a14:hiddenLine xmlns="" xmlns:a14="http://schemas.microsoft.com/office/drawing/2010/main" w="9525">
                   <a:solidFill>
                     <a:srgbClr val="000000"/>
                   </a:solidFill>
@@ -407,7 +413,7 @@
             </a:ln>
             <a:extLst>
               <a:ext uri="{91240B29-F687-4f45-9708-019B960494DF}">
-                <a14:hiddenLine xmlns:a14="http://schemas.microsoft.com/office/drawing/2010/main" xmlns="" w="9525">
+                <a14:hiddenLine xmlns="" xmlns:a14="http://schemas.microsoft.com/office/drawing/2010/main" w="9525">
                   <a:solidFill>
                     <a:srgbClr val="000000"/>
                   </a:solidFill>
@@ -441,7 +447,7 @@
             </a:ln>
             <a:extLst>
               <a:ext uri="{91240B29-F687-4f45-9708-019B960494DF}">
-                <a14:hiddenLine xmlns:a14="http://schemas.microsoft.com/office/drawing/2010/main" xmlns="" w="9525">
+                <a14:hiddenLine xmlns="" xmlns:a14="http://schemas.microsoft.com/office/drawing/2010/main" w="9525">
                   <a:solidFill>
                     <a:srgbClr val="000000"/>
                   </a:solidFill>
@@ -531,7 +537,7 @@
             </a:ln>
             <a:extLst>
               <a:ext uri="{91240B29-F687-4f45-9708-019B960494DF}">
-                <a14:hiddenLine xmlns:a14="http://schemas.microsoft.com/office/drawing/2010/main" xmlns="" w="9525">
+                <a14:hiddenLine xmlns="" xmlns:a14="http://schemas.microsoft.com/office/drawing/2010/main" w="9525">
                   <a:solidFill>
                     <a:srgbClr val="000000"/>
                   </a:solidFill>
@@ -593,7 +599,7 @@
             </a:ln>
             <a:extLst>
               <a:ext uri="{91240B29-F687-4f45-9708-019B960494DF}">
-                <a14:hiddenLine xmlns:a14="http://schemas.microsoft.com/office/drawing/2010/main" xmlns="" w="9525">
+                <a14:hiddenLine xmlns="" xmlns:a14="http://schemas.microsoft.com/office/drawing/2010/main" w="9525">
                   <a:solidFill>
                     <a:srgbClr val="000000"/>
                   </a:solidFill>
@@ -655,7 +661,7 @@
             </a:ln>
             <a:extLst>
               <a:ext uri="{91240B29-F687-4f45-9708-019B960494DF}">
-                <a14:hiddenLine xmlns:a14="http://schemas.microsoft.com/office/drawing/2010/main" xmlns="" w="9525">
+                <a14:hiddenLine xmlns="" xmlns:a14="http://schemas.microsoft.com/office/drawing/2010/main" w="9525">
                   <a:solidFill>
                     <a:srgbClr val="000000"/>
                   </a:solidFill>
@@ -745,7 +751,7 @@
             </a:ln>
             <a:extLst>
               <a:ext uri="{91240B29-F687-4f45-9708-019B960494DF}">
-                <a14:hiddenLine xmlns:a14="http://schemas.microsoft.com/office/drawing/2010/main" xmlns="" w="9525">
+                <a14:hiddenLine xmlns="" xmlns:a14="http://schemas.microsoft.com/office/drawing/2010/main" w="9525">
                   <a:solidFill>
                     <a:srgbClr val="000000"/>
                   </a:solidFill>
@@ -807,7 +813,7 @@
             </a:ln>
             <a:extLst>
               <a:ext uri="{91240B29-F687-4f45-9708-019B960494DF}">
-                <a14:hiddenLine xmlns:a14="http://schemas.microsoft.com/office/drawing/2010/main" xmlns="" w="9525">
+                <a14:hiddenLine xmlns="" xmlns:a14="http://schemas.microsoft.com/office/drawing/2010/main" w="9525">
                   <a:solidFill>
                     <a:srgbClr val="000000"/>
                   </a:solidFill>
@@ -869,7 +875,7 @@
             </a:ln>
             <a:extLst>
               <a:ext uri="{91240B29-F687-4f45-9708-019B960494DF}">
-                <a14:hiddenLine xmlns:a14="http://schemas.microsoft.com/office/drawing/2010/main" xmlns="" w="9525">
+                <a14:hiddenLine xmlns="" xmlns:a14="http://schemas.microsoft.com/office/drawing/2010/main" w="9525">
                   <a:solidFill>
                     <a:srgbClr val="000000"/>
                   </a:solidFill>
@@ -959,7 +965,7 @@
             </a:ln>
             <a:extLst>
               <a:ext uri="{91240B29-F687-4f45-9708-019B960494DF}">
-                <a14:hiddenLine xmlns:a14="http://schemas.microsoft.com/office/drawing/2010/main" xmlns="" w="9525">
+                <a14:hiddenLine xmlns="" xmlns:a14="http://schemas.microsoft.com/office/drawing/2010/main" w="9525">
                   <a:solidFill>
                     <a:srgbClr val="000000"/>
                   </a:solidFill>
@@ -1049,7 +1055,7 @@
             </a:ln>
             <a:extLst>
               <a:ext uri="{91240B29-F687-4f45-9708-019B960494DF}">
-                <a14:hiddenLine xmlns:a14="http://schemas.microsoft.com/office/drawing/2010/main" xmlns="" w="9525">
+                <a14:hiddenLine xmlns="" xmlns:a14="http://schemas.microsoft.com/office/drawing/2010/main" w="9525">
                   <a:solidFill>
                     <a:srgbClr val="000000"/>
                   </a:solidFill>
@@ -1111,7 +1117,7 @@
             </a:ln>
             <a:extLst>
               <a:ext uri="{91240B29-F687-4f45-9708-019B960494DF}">
-                <a14:hiddenLine xmlns:a14="http://schemas.microsoft.com/office/drawing/2010/main" xmlns="" w="9525">
+                <a14:hiddenLine xmlns="" xmlns:a14="http://schemas.microsoft.com/office/drawing/2010/main" w="9525">
                   <a:solidFill>
                     <a:srgbClr val="000000"/>
                   </a:solidFill>
@@ -1221,7 +1227,7 @@
             </a:ln>
             <a:extLst>
               <a:ext uri="{91240B29-F687-4f45-9708-019B960494DF}">
-                <a14:hiddenLine xmlns:a14="http://schemas.microsoft.com/office/drawing/2010/main" xmlns="" w="9525">
+                <a14:hiddenLine xmlns="" xmlns:a14="http://schemas.microsoft.com/office/drawing/2010/main" w="9525">
                   <a:solidFill>
                     <a:srgbClr val="000000"/>
                   </a:solidFill>
@@ -1283,7 +1289,7 @@
             </a:ln>
             <a:extLst>
               <a:ext uri="{91240B29-F687-4f45-9708-019B960494DF}">
-                <a14:hiddenLine xmlns:a14="http://schemas.microsoft.com/office/drawing/2010/main" xmlns="" w="9525">
+                <a14:hiddenLine xmlns="" xmlns:a14="http://schemas.microsoft.com/office/drawing/2010/main" w="9525">
                   <a:solidFill>
                     <a:srgbClr val="000000"/>
                   </a:solidFill>
@@ -1373,7 +1379,7 @@
             </a:ln>
             <a:extLst>
               <a:ext uri="{91240B29-F687-4f45-9708-019B960494DF}">
-                <a14:hiddenLine xmlns:a14="http://schemas.microsoft.com/office/drawing/2010/main" xmlns="" w="9525">
+                <a14:hiddenLine xmlns="" xmlns:a14="http://schemas.microsoft.com/office/drawing/2010/main" w="9525">
                   <a:solidFill>
                     <a:srgbClr val="000000"/>
                   </a:solidFill>
@@ -1463,7 +1469,7 @@
             </a:ln>
             <a:extLst>
               <a:ext uri="{91240B29-F687-4f45-9708-019B960494DF}">
-                <a14:hiddenLine xmlns:a14="http://schemas.microsoft.com/office/drawing/2010/main" xmlns="" w="9525">
+                <a14:hiddenLine xmlns="" xmlns:a14="http://schemas.microsoft.com/office/drawing/2010/main" w="9525">
                   <a:solidFill>
                     <a:srgbClr val="000000"/>
                   </a:solidFill>
@@ -1525,7 +1531,7 @@
             </a:ln>
             <a:extLst>
               <a:ext uri="{91240B29-F687-4f45-9708-019B960494DF}">
-                <a14:hiddenLine xmlns:a14="http://schemas.microsoft.com/office/drawing/2010/main" xmlns="" w="9525">
+                <a14:hiddenLine xmlns="" xmlns:a14="http://schemas.microsoft.com/office/drawing/2010/main" w="9525">
                   <a:solidFill>
                     <a:srgbClr val="000000"/>
                   </a:solidFill>
@@ -1615,7 +1621,7 @@
             </a:ln>
             <a:extLst>
               <a:ext uri="{91240B29-F687-4f45-9708-019B960494DF}">
-                <a14:hiddenLine xmlns:a14="http://schemas.microsoft.com/office/drawing/2010/main" xmlns="" w="9525">
+                <a14:hiddenLine xmlns="" xmlns:a14="http://schemas.microsoft.com/office/drawing/2010/main" w="9525">
                   <a:solidFill>
                     <a:srgbClr val="000000"/>
                   </a:solidFill>
@@ -1705,7 +1711,7 @@
             </a:ln>
             <a:extLst>
               <a:ext uri="{91240B29-F687-4f45-9708-019B960494DF}">
-                <a14:hiddenLine xmlns:a14="http://schemas.microsoft.com/office/drawing/2010/main" xmlns="" w="9525">
+                <a14:hiddenLine xmlns="" xmlns:a14="http://schemas.microsoft.com/office/drawing/2010/main" w="9525">
                   <a:solidFill>
                     <a:srgbClr val="000000"/>
                   </a:solidFill>
@@ -1761,7 +1767,7 @@
             </a:ln>
             <a:extLst>
               <a:ext uri="{91240B29-F687-4f45-9708-019B960494DF}">
-                <a14:hiddenLine xmlns:a14="http://schemas.microsoft.com/office/drawing/2010/main" xmlns="" w="9525">
+                <a14:hiddenLine xmlns="" xmlns:a14="http://schemas.microsoft.com/office/drawing/2010/main" w="9525">
                   <a:solidFill>
                     <a:srgbClr val="000000"/>
                   </a:solidFill>
@@ -1851,7 +1857,7 @@
             </a:ln>
             <a:extLst>
               <a:ext uri="{91240B29-F687-4f45-9708-019B960494DF}">
-                <a14:hiddenLine xmlns:a14="http://schemas.microsoft.com/office/drawing/2010/main" xmlns="" w="9525">
+                <a14:hiddenLine xmlns="" xmlns:a14="http://schemas.microsoft.com/office/drawing/2010/main" w="9525">
                   <a:solidFill>
                     <a:srgbClr val="000000"/>
                   </a:solidFill>
@@ -1907,7 +1913,7 @@
             </a:ln>
             <a:extLst>
               <a:ext uri="{91240B29-F687-4f45-9708-019B960494DF}">
-                <a14:hiddenLine xmlns:a14="http://schemas.microsoft.com/office/drawing/2010/main" xmlns="" w="9525">
+                <a14:hiddenLine xmlns="" xmlns:a14="http://schemas.microsoft.com/office/drawing/2010/main" w="9525">
                   <a:solidFill>
                     <a:srgbClr val="000000"/>
                   </a:solidFill>
@@ -1997,7 +2003,7 @@
             </a:ln>
             <a:extLst>
               <a:ext uri="{91240B29-F687-4f45-9708-019B960494DF}">
-                <a14:hiddenLine xmlns:a14="http://schemas.microsoft.com/office/drawing/2010/main" xmlns="" w="9525">
+                <a14:hiddenLine xmlns="" xmlns:a14="http://schemas.microsoft.com/office/drawing/2010/main" w="9525">
                   <a:solidFill>
                     <a:srgbClr val="000000"/>
                   </a:solidFill>
@@ -2065,7 +2071,7 @@
             </a:ln>
             <a:extLst>
               <a:ext uri="{91240B29-F687-4f45-9708-019B960494DF}">
-                <a14:hiddenLine xmlns:a14="http://schemas.microsoft.com/office/drawing/2010/main" xmlns="" w="9525">
+                <a14:hiddenLine xmlns="" xmlns:a14="http://schemas.microsoft.com/office/drawing/2010/main" w="9525">
                   <a:solidFill>
                     <a:srgbClr val="000000"/>
                   </a:solidFill>
@@ -2155,7 +2161,7 @@
             </a:ln>
             <a:extLst>
               <a:ext uri="{91240B29-F687-4f45-9708-019B960494DF}">
-                <a14:hiddenLine xmlns:a14="http://schemas.microsoft.com/office/drawing/2010/main" xmlns="" w="9525">
+                <a14:hiddenLine xmlns="" xmlns:a14="http://schemas.microsoft.com/office/drawing/2010/main" w="9525">
                   <a:solidFill>
                     <a:srgbClr val="000000"/>
                   </a:solidFill>
@@ -2223,7 +2229,7 @@
             </a:ln>
             <a:extLst>
               <a:ext uri="{91240B29-F687-4f45-9708-019B960494DF}">
-                <a14:hiddenLine xmlns:a14="http://schemas.microsoft.com/office/drawing/2010/main" xmlns="" w="9525">
+                <a14:hiddenLine xmlns="" xmlns:a14="http://schemas.microsoft.com/office/drawing/2010/main" w="9525">
                   <a:solidFill>
                     <a:srgbClr val="000000"/>
                   </a:solidFill>
@@ -2313,7 +2319,7 @@
             </a:ln>
             <a:extLst>
               <a:ext uri="{91240B29-F687-4f45-9708-019B960494DF}">
-                <a14:hiddenLine xmlns:a14="http://schemas.microsoft.com/office/drawing/2010/main" xmlns="" w="9525">
+                <a14:hiddenLine xmlns="" xmlns:a14="http://schemas.microsoft.com/office/drawing/2010/main" w="9525">
                   <a:solidFill>
                     <a:srgbClr val="000000"/>
                   </a:solidFill>
@@ -2347,7 +2353,7 @@
             </a:ln>
             <a:extLst>
               <a:ext uri="{91240B29-F687-4f45-9708-019B960494DF}">
-                <a14:hiddenLine xmlns:a14="http://schemas.microsoft.com/office/drawing/2010/main" xmlns="" w="9525">
+                <a14:hiddenLine xmlns="" xmlns:a14="http://schemas.microsoft.com/office/drawing/2010/main" w="9525">
                   <a:solidFill>
                     <a:srgbClr val="000000"/>
                   </a:solidFill>
@@ -2437,7 +2443,7 @@
             </a:ln>
             <a:extLst>
               <a:ext uri="{91240B29-F687-4f45-9708-019B960494DF}">
-                <a14:hiddenLine xmlns:a14="http://schemas.microsoft.com/office/drawing/2010/main" xmlns="" w="9525">
+                <a14:hiddenLine xmlns="" xmlns:a14="http://schemas.microsoft.com/office/drawing/2010/main" w="9525">
                   <a:solidFill>
                     <a:srgbClr val="000000"/>
                   </a:solidFill>
@@ -2499,7 +2505,7 @@
             </a:ln>
             <a:extLst>
               <a:ext uri="{91240B29-F687-4f45-9708-019B960494DF}">
-                <a14:hiddenLine xmlns:a14="http://schemas.microsoft.com/office/drawing/2010/main" xmlns="" w="9525">
+                <a14:hiddenLine xmlns="" xmlns:a14="http://schemas.microsoft.com/office/drawing/2010/main" w="9525">
                   <a:solidFill>
                     <a:srgbClr val="000000"/>
                   </a:solidFill>
@@ -2561,7 +2567,7 @@
             </a:ln>
             <a:extLst>
               <a:ext uri="{91240B29-F687-4f45-9708-019B960494DF}">
-                <a14:hiddenLine xmlns:a14="http://schemas.microsoft.com/office/drawing/2010/main" xmlns="" w="9525">
+                <a14:hiddenLine xmlns="" xmlns:a14="http://schemas.microsoft.com/office/drawing/2010/main" w="9525">
                   <a:solidFill>
                     <a:srgbClr val="000000"/>
                   </a:solidFill>
@@ -2651,7 +2657,7 @@
             </a:ln>
             <a:extLst>
               <a:ext uri="{91240B29-F687-4f45-9708-019B960494DF}">
-                <a14:hiddenLine xmlns:a14="http://schemas.microsoft.com/office/drawing/2010/main" xmlns="" w="9525">
+                <a14:hiddenLine xmlns="" xmlns:a14="http://schemas.microsoft.com/office/drawing/2010/main" w="9525">
                   <a:solidFill>
                     <a:srgbClr val="000000"/>
                   </a:solidFill>
@@ -2719,7 +2725,7 @@
             </a:ln>
             <a:extLst>
               <a:ext uri="{91240B29-F687-4f45-9708-019B960494DF}">
-                <a14:hiddenLine xmlns:a14="http://schemas.microsoft.com/office/drawing/2010/main" xmlns="" w="9525">
+                <a14:hiddenLine xmlns="" xmlns:a14="http://schemas.microsoft.com/office/drawing/2010/main" w="9525">
                   <a:solidFill>
                     <a:srgbClr val="000000"/>
                   </a:solidFill>
@@ -2781,7 +2787,7 @@
             </a:ln>
             <a:extLst>
               <a:ext uri="{91240B29-F687-4f45-9708-019B960494DF}">
-                <a14:hiddenLine xmlns:a14="http://schemas.microsoft.com/office/drawing/2010/main" xmlns="" w="9525">
+                <a14:hiddenLine xmlns="" xmlns:a14="http://schemas.microsoft.com/office/drawing/2010/main" w="9525">
                   <a:solidFill>
                     <a:srgbClr val="000000"/>
                   </a:solidFill>
@@ -2871,7 +2877,7 @@
             </a:ln>
             <a:extLst>
               <a:ext uri="{91240B29-F687-4f45-9708-019B960494DF}">
-                <a14:hiddenLine xmlns:a14="http://schemas.microsoft.com/office/drawing/2010/main" xmlns="" w="9525">
+                <a14:hiddenLine xmlns="" xmlns:a14="http://schemas.microsoft.com/office/drawing/2010/main" w="9525">
                   <a:solidFill>
                     <a:srgbClr val="000000"/>
                   </a:solidFill>
@@ -2933,7 +2939,7 @@
             </a:ln>
             <a:extLst>
               <a:ext uri="{91240B29-F687-4f45-9708-019B960494DF}">
-                <a14:hiddenLine xmlns:a14="http://schemas.microsoft.com/office/drawing/2010/main" xmlns="" w="9525">
+                <a14:hiddenLine xmlns="" xmlns:a14="http://schemas.microsoft.com/office/drawing/2010/main" w="9525">
                   <a:solidFill>
                     <a:srgbClr val="000000"/>
                   </a:solidFill>
@@ -3023,7 +3029,7 @@
             </a:ln>
             <a:extLst>
               <a:ext uri="{91240B29-F687-4f45-9708-019B960494DF}">
-                <a14:hiddenLine xmlns:a14="http://schemas.microsoft.com/office/drawing/2010/main" xmlns="" w="9525">
+                <a14:hiddenLine xmlns="" xmlns:a14="http://schemas.microsoft.com/office/drawing/2010/main" w="9525">
                   <a:solidFill>
                     <a:srgbClr val="000000"/>
                   </a:solidFill>
@@ -3085,7 +3091,7 @@
             </a:ln>
             <a:extLst>
               <a:ext uri="{91240B29-F687-4f45-9708-019B960494DF}">
-                <a14:hiddenLine xmlns:a14="http://schemas.microsoft.com/office/drawing/2010/main" xmlns="" w="9525">
+                <a14:hiddenLine xmlns="" xmlns:a14="http://schemas.microsoft.com/office/drawing/2010/main" w="9525">
                   <a:solidFill>
                     <a:srgbClr val="000000"/>
                   </a:solidFill>
@@ -3175,7 +3181,7 @@
             </a:ln>
             <a:extLst>
               <a:ext uri="{91240B29-F687-4f45-9708-019B960494DF}">
-                <a14:hiddenLine xmlns:a14="http://schemas.microsoft.com/office/drawing/2010/main" xmlns="" w="9525">
+                <a14:hiddenLine xmlns="" xmlns:a14="http://schemas.microsoft.com/office/drawing/2010/main" w="9525">
                   <a:solidFill>
                     <a:srgbClr val="000000"/>
                   </a:solidFill>
@@ -3209,7 +3215,7 @@
             </a:ln>
             <a:extLst>
               <a:ext uri="{91240B29-F687-4f45-9708-019B960494DF}">
-                <a14:hiddenLine xmlns:a14="http://schemas.microsoft.com/office/drawing/2010/main" xmlns="" w="9525">
+                <a14:hiddenLine xmlns="" xmlns:a14="http://schemas.microsoft.com/office/drawing/2010/main" w="9525">
                   <a:solidFill>
                     <a:srgbClr val="000000"/>
                   </a:solidFill>
@@ -3274,7 +3280,7 @@
             </a:ln>
             <a:extLst>
               <a:ext uri="{91240B29-F687-4f45-9708-019B960494DF}">
-                <a14:hiddenLine xmlns:a14="http://schemas.microsoft.com/office/drawing/2010/main" xmlns="" w="9525">
+                <a14:hiddenLine xmlns="" xmlns:a14="http://schemas.microsoft.com/office/drawing/2010/main" w="9525">
                   <a:solidFill>
                     <a:srgbClr val="000000"/>
                   </a:solidFill>
@@ -3364,7 +3370,7 @@
             </a:ln>
             <a:extLst>
               <a:ext uri="{91240B29-F687-4f45-9708-019B960494DF}">
-                <a14:hiddenLine xmlns:a14="http://schemas.microsoft.com/office/drawing/2010/main" xmlns="" w="9525">
+                <a14:hiddenLine xmlns="" xmlns:a14="http://schemas.microsoft.com/office/drawing/2010/main" w="9525">
                   <a:solidFill>
                     <a:srgbClr val="000000"/>
                   </a:solidFill>
@@ -3426,7 +3432,7 @@
             </a:ln>
             <a:extLst>
               <a:ext uri="{91240B29-F687-4f45-9708-019B960494DF}">
-                <a14:hiddenLine xmlns:a14="http://schemas.microsoft.com/office/drawing/2010/main" xmlns="" w="9525">
+                <a14:hiddenLine xmlns="" xmlns:a14="http://schemas.microsoft.com/office/drawing/2010/main" w="9525">
                   <a:solidFill>
                     <a:srgbClr val="000000"/>
                   </a:solidFill>
@@ -3516,7 +3522,7 @@
             </a:ln>
             <a:extLst>
               <a:ext uri="{91240B29-F687-4f45-9708-019B960494DF}">
-                <a14:hiddenLine xmlns:a14="http://schemas.microsoft.com/office/drawing/2010/main" xmlns="" w="9525">
+                <a14:hiddenLine xmlns="" xmlns:a14="http://schemas.microsoft.com/office/drawing/2010/main" w="9525">
                   <a:solidFill>
                     <a:srgbClr val="000000"/>
                   </a:solidFill>
@@ -3606,7 +3612,7 @@
             </a:ln>
             <a:extLst>
               <a:ext uri="{91240B29-F687-4f45-9708-019B960494DF}">
-                <a14:hiddenLine xmlns:a14="http://schemas.microsoft.com/office/drawing/2010/main" xmlns="" w="9525">
+                <a14:hiddenLine xmlns="" xmlns:a14="http://schemas.microsoft.com/office/drawing/2010/main" w="9525">
                   <a:solidFill>
                     <a:srgbClr val="000000"/>
                   </a:solidFill>
@@ -3671,7 +3677,7 @@
             </a:ln>
             <a:extLst>
               <a:ext uri="{91240B29-F687-4f45-9708-019B960494DF}">
-                <a14:hiddenLine xmlns:a14="http://schemas.microsoft.com/office/drawing/2010/main" xmlns="" w="9525">
+                <a14:hiddenLine xmlns="" xmlns:a14="http://schemas.microsoft.com/office/drawing/2010/main" w="9525">
                   <a:solidFill>
                     <a:srgbClr val="000000"/>
                   </a:solidFill>
@@ -3733,7 +3739,7 @@
             </a:ln>
             <a:extLst>
               <a:ext uri="{91240B29-F687-4f45-9708-019B960494DF}">
-                <a14:hiddenLine xmlns:a14="http://schemas.microsoft.com/office/drawing/2010/main" xmlns="" w="9525">
+                <a14:hiddenLine xmlns="" xmlns:a14="http://schemas.microsoft.com/office/drawing/2010/main" w="9525">
                   <a:solidFill>
                     <a:srgbClr val="000000"/>
                   </a:solidFill>
@@ -3823,7 +3829,7 @@
             </a:ln>
             <a:extLst>
               <a:ext uri="{91240B29-F687-4f45-9708-019B960494DF}">
-                <a14:hiddenLine xmlns:a14="http://schemas.microsoft.com/office/drawing/2010/main" xmlns="" w="9525">
+                <a14:hiddenLine xmlns="" xmlns:a14="http://schemas.microsoft.com/office/drawing/2010/main" w="9525">
                   <a:solidFill>
                     <a:srgbClr val="000000"/>
                   </a:solidFill>
@@ -3913,7 +3919,7 @@
             </a:ln>
             <a:extLst>
               <a:ext uri="{91240B29-F687-4f45-9708-019B960494DF}">
-                <a14:hiddenLine xmlns:a14="http://schemas.microsoft.com/office/drawing/2010/main" xmlns="" w="9525">
+                <a14:hiddenLine xmlns="" xmlns:a14="http://schemas.microsoft.com/office/drawing/2010/main" w="9525">
                   <a:solidFill>
                     <a:srgbClr val="000000"/>
                   </a:solidFill>
@@ -3975,7 +3981,7 @@
             </a:ln>
             <a:extLst>
               <a:ext uri="{91240B29-F687-4f45-9708-019B960494DF}">
-                <a14:hiddenLine xmlns:a14="http://schemas.microsoft.com/office/drawing/2010/main" xmlns="" w="9525">
+                <a14:hiddenLine xmlns="" xmlns:a14="http://schemas.microsoft.com/office/drawing/2010/main" w="9525">
                   <a:solidFill>
                     <a:srgbClr val="000000"/>
                   </a:solidFill>
@@ -4095,7 +4101,7 @@
             </a:ln>
             <a:extLst>
               <a:ext uri="{91240B29-F687-4f45-9708-019B960494DF}">
-                <a14:hiddenLine xmlns:a14="http://schemas.microsoft.com/office/drawing/2010/main" xmlns="" w="9525">
+                <a14:hiddenLine xmlns="" xmlns:a14="http://schemas.microsoft.com/office/drawing/2010/main" w="9525">
                   <a:solidFill>
                     <a:srgbClr val="000000"/>
                   </a:solidFill>
@@ -4163,7 +4169,7 @@
             </a:ln>
             <a:extLst>
               <a:ext uri="{91240B29-F687-4f45-9708-019B960494DF}">
-                <a14:hiddenLine xmlns:a14="http://schemas.microsoft.com/office/drawing/2010/main" xmlns="" w="9525">
+                <a14:hiddenLine xmlns="" xmlns:a14="http://schemas.microsoft.com/office/drawing/2010/main" w="9525">
                   <a:solidFill>
                     <a:srgbClr val="000000"/>
                   </a:solidFill>
@@ -4253,7 +4259,7 @@
             </a:ln>
             <a:extLst>
               <a:ext uri="{91240B29-F687-4f45-9708-019B960494DF}">
-                <a14:hiddenLine xmlns:a14="http://schemas.microsoft.com/office/drawing/2010/main" xmlns="" w="9525">
+                <a14:hiddenLine xmlns="" xmlns:a14="http://schemas.microsoft.com/office/drawing/2010/main" w="9525">
                   <a:solidFill>
                     <a:srgbClr val="000000"/>
                   </a:solidFill>
@@ -4393,7 +4399,7 @@
           <a:p>
             <a:fld id="{259E74AC-406E-4468-95B2-A56629EEAF9A}" type="datetimeFigureOut">
               <a:rPr lang="en-US" smtClean="0"/>
-              <a:t>12/26/2024</a:t>
+              <a:t>1/16/2025</a:t>
             </a:fld>
             <a:endParaRPr lang="en-US"/>
           </a:p>
@@ -4660,7 +4666,7 @@
           <a:p>
             <a:fld id="{259E74AC-406E-4468-95B2-A56629EEAF9A}" type="datetimeFigureOut">
               <a:rPr lang="en-US" smtClean="0"/>
-              <a:t>12/26/2024</a:t>
+              <a:t>1/16/2025</a:t>
             </a:fld>
             <a:endParaRPr lang="en-US"/>
           </a:p>
@@ -4856,7 +4862,7 @@
           <a:p>
             <a:fld id="{259E74AC-406E-4468-95B2-A56629EEAF9A}" type="datetimeFigureOut">
               <a:rPr lang="en-US" smtClean="0"/>
-              <a:t>12/26/2024</a:t>
+              <a:t>1/16/2025</a:t>
             </a:fld>
             <a:endParaRPr lang="en-US"/>
           </a:p>
@@ -5119,7 +5125,7 @@
           <a:p>
             <a:fld id="{259E74AC-406E-4468-95B2-A56629EEAF9A}" type="datetimeFigureOut">
               <a:rPr lang="en-US" smtClean="0"/>
-              <a:t>12/26/2024</a:t>
+              <a:t>1/16/2025</a:t>
             </a:fld>
             <a:endParaRPr lang="en-US"/>
           </a:p>
@@ -5553,7 +5559,7 @@
           <a:p>
             <a:fld id="{259E74AC-406E-4468-95B2-A56629EEAF9A}" type="datetimeFigureOut">
               <a:rPr lang="en-US" smtClean="0"/>
-              <a:t>12/26/2024</a:t>
+              <a:t>1/16/2025</a:t>
             </a:fld>
             <a:endParaRPr lang="en-US"/>
           </a:p>
@@ -6099,7 +6105,7 @@
           <a:p>
             <a:fld id="{259E74AC-406E-4468-95B2-A56629EEAF9A}" type="datetimeFigureOut">
               <a:rPr lang="en-US" smtClean="0"/>
-              <a:t>12/26/2024</a:t>
+              <a:t>1/16/2025</a:t>
             </a:fld>
             <a:endParaRPr lang="en-US"/>
           </a:p>
@@ -6819,7 +6825,7 @@
           <a:p>
             <a:fld id="{259E74AC-406E-4468-95B2-A56629EEAF9A}" type="datetimeFigureOut">
               <a:rPr lang="en-US" smtClean="0"/>
-              <a:t>12/26/2024</a:t>
+              <a:t>1/16/2025</a:t>
             </a:fld>
             <a:endParaRPr lang="en-US"/>
           </a:p>
@@ -6989,7 +6995,7 @@
           <a:p>
             <a:fld id="{259E74AC-406E-4468-95B2-A56629EEAF9A}" type="datetimeFigureOut">
               <a:rPr lang="en-US" smtClean="0"/>
-              <a:t>12/26/2024</a:t>
+              <a:t>1/16/2025</a:t>
             </a:fld>
             <a:endParaRPr lang="en-US"/>
           </a:p>
@@ -7169,7 +7175,7 @@
           <a:p>
             <a:fld id="{259E74AC-406E-4468-95B2-A56629EEAF9A}" type="datetimeFigureOut">
               <a:rPr lang="en-US" smtClean="0"/>
-              <a:t>12/26/2024</a:t>
+              <a:t>1/16/2025</a:t>
             </a:fld>
             <a:endParaRPr lang="en-US"/>
           </a:p>
@@ -7339,7 +7345,7 @@
           <a:p>
             <a:fld id="{259E74AC-406E-4468-95B2-A56629EEAF9A}" type="datetimeFigureOut">
               <a:rPr lang="en-US" smtClean="0"/>
-              <a:t>12/26/2024</a:t>
+              <a:t>1/16/2025</a:t>
             </a:fld>
             <a:endParaRPr lang="en-US"/>
           </a:p>
@@ -7589,7 +7595,7 @@
           <a:p>
             <a:fld id="{259E74AC-406E-4468-95B2-A56629EEAF9A}" type="datetimeFigureOut">
               <a:rPr lang="en-US" smtClean="0"/>
-              <a:t>12/26/2024</a:t>
+              <a:t>1/16/2025</a:t>
             </a:fld>
             <a:endParaRPr lang="en-US"/>
           </a:p>
@@ -7821,7 +7827,7 @@
           <a:p>
             <a:fld id="{259E74AC-406E-4468-95B2-A56629EEAF9A}" type="datetimeFigureOut">
               <a:rPr lang="en-US" smtClean="0"/>
-              <a:t>12/26/2024</a:t>
+              <a:t>1/16/2025</a:t>
             </a:fld>
             <a:endParaRPr lang="en-US"/>
           </a:p>
@@ -8202,7 +8208,7 @@
           <a:p>
             <a:fld id="{259E74AC-406E-4468-95B2-A56629EEAF9A}" type="datetimeFigureOut">
               <a:rPr lang="en-US" smtClean="0"/>
-              <a:t>12/26/2024</a:t>
+              <a:t>1/16/2025</a:t>
             </a:fld>
             <a:endParaRPr lang="en-US"/>
           </a:p>
@@ -8320,7 +8326,7 @@
           <a:p>
             <a:fld id="{259E74AC-406E-4468-95B2-A56629EEAF9A}" type="datetimeFigureOut">
               <a:rPr lang="en-US" smtClean="0"/>
-              <a:t>12/26/2024</a:t>
+              <a:t>1/16/2025</a:t>
             </a:fld>
             <a:endParaRPr lang="en-US"/>
           </a:p>
@@ -8415,7 +8421,7 @@
           <a:p>
             <a:fld id="{259E74AC-406E-4468-95B2-A56629EEAF9A}" type="datetimeFigureOut">
               <a:rPr lang="en-US" smtClean="0"/>
-              <a:t>12/26/2024</a:t>
+              <a:t>1/16/2025</a:t>
             </a:fld>
             <a:endParaRPr lang="en-US"/>
           </a:p>
@@ -8664,7 +8670,7 @@
           <a:p>
             <a:fld id="{259E74AC-406E-4468-95B2-A56629EEAF9A}" type="datetimeFigureOut">
               <a:rPr lang="en-US" smtClean="0"/>
-              <a:t>12/26/2024</a:t>
+              <a:t>1/16/2025</a:t>
             </a:fld>
             <a:endParaRPr lang="en-US"/>
           </a:p>
@@ -8944,7 +8950,7 @@
           <a:p>
             <a:fld id="{259E74AC-406E-4468-95B2-A56629EEAF9A}" type="datetimeFigureOut">
               <a:rPr lang="en-US" smtClean="0"/>
-              <a:t>12/26/2024</a:t>
+              <a:t>1/16/2025</a:t>
             </a:fld>
             <a:endParaRPr lang="en-US"/>
           </a:p>
@@ -9067,7 +9073,7 @@
           <a:noFill/>
           <a:extLst>
             <a:ext uri="{909E8E84-426E-40dd-AFC4-6F175D3DCCD1}">
-              <a14:hiddenFill xmlns:a14="http://schemas.microsoft.com/office/drawing/2010/main" xmlns="">
+              <a14:hiddenFill xmlns="" xmlns:a14="http://schemas.microsoft.com/office/drawing/2010/main">
                 <a:solidFill>
                   <a:srgbClr val="FFFFFF"/>
                 </a:solidFill>
@@ -9141,7 +9147,7 @@
               </a:ln>
               <a:extLst>
                 <a:ext uri="{91240B29-F687-4f45-9708-019B960494DF}">
-                  <a14:hiddenLine xmlns:a14="http://schemas.microsoft.com/office/drawing/2010/main" xmlns="" w="9525">
+                  <a14:hiddenLine xmlns="" xmlns:a14="http://schemas.microsoft.com/office/drawing/2010/main" w="9525">
                     <a:solidFill>
                       <a:srgbClr val="000000"/>
                     </a:solidFill>
@@ -9231,7 +9237,7 @@
               </a:ln>
               <a:extLst>
                 <a:ext uri="{91240B29-F687-4f45-9708-019B960494DF}">
-                  <a14:hiddenLine xmlns:a14="http://schemas.microsoft.com/office/drawing/2010/main" xmlns="" w="9525">
+                  <a14:hiddenLine xmlns="" xmlns:a14="http://schemas.microsoft.com/office/drawing/2010/main" w="9525">
                     <a:solidFill>
                       <a:srgbClr val="000000"/>
                     </a:solidFill>
@@ -9321,7 +9327,7 @@
               </a:ln>
               <a:extLst>
                 <a:ext uri="{91240B29-F687-4f45-9708-019B960494DF}">
-                  <a14:hiddenLine xmlns:a14="http://schemas.microsoft.com/office/drawing/2010/main" xmlns="" w="9525">
+                  <a14:hiddenLine xmlns="" xmlns:a14="http://schemas.microsoft.com/office/drawing/2010/main" w="9525">
                     <a:solidFill>
                       <a:srgbClr val="000000"/>
                     </a:solidFill>
@@ -9383,7 +9389,7 @@
               </a:ln>
               <a:extLst>
                 <a:ext uri="{91240B29-F687-4f45-9708-019B960494DF}">
-                  <a14:hiddenLine xmlns:a14="http://schemas.microsoft.com/office/drawing/2010/main" xmlns="" w="9525">
+                  <a14:hiddenLine xmlns="" xmlns:a14="http://schemas.microsoft.com/office/drawing/2010/main" w="9525">
                     <a:solidFill>
                       <a:srgbClr val="000000"/>
                     </a:solidFill>
@@ -9473,7 +9479,7 @@
               </a:ln>
               <a:extLst>
                 <a:ext uri="{91240B29-F687-4f45-9708-019B960494DF}">
-                  <a14:hiddenLine xmlns:a14="http://schemas.microsoft.com/office/drawing/2010/main" xmlns="" w="9525">
+                  <a14:hiddenLine xmlns="" xmlns:a14="http://schemas.microsoft.com/office/drawing/2010/main" w="9525">
                     <a:solidFill>
                       <a:srgbClr val="000000"/>
                     </a:solidFill>
@@ -9535,7 +9541,7 @@
               </a:ln>
               <a:extLst>
                 <a:ext uri="{91240B29-F687-4f45-9708-019B960494DF}">
-                  <a14:hiddenLine xmlns:a14="http://schemas.microsoft.com/office/drawing/2010/main" xmlns="" w="9525">
+                  <a14:hiddenLine xmlns="" xmlns:a14="http://schemas.microsoft.com/office/drawing/2010/main" w="9525">
                     <a:solidFill>
                       <a:srgbClr val="000000"/>
                     </a:solidFill>
@@ -9597,7 +9603,7 @@
               </a:ln>
               <a:extLst>
                 <a:ext uri="{91240B29-F687-4f45-9708-019B960494DF}">
-                  <a14:hiddenLine xmlns:a14="http://schemas.microsoft.com/office/drawing/2010/main" xmlns="" w="9525">
+                  <a14:hiddenLine xmlns="" xmlns:a14="http://schemas.microsoft.com/office/drawing/2010/main" w="9525">
                     <a:solidFill>
                       <a:srgbClr val="000000"/>
                     </a:solidFill>
@@ -9687,7 +9693,7 @@
               </a:ln>
               <a:extLst>
                 <a:ext uri="{91240B29-F687-4f45-9708-019B960494DF}">
-                  <a14:hiddenLine xmlns:a14="http://schemas.microsoft.com/office/drawing/2010/main" xmlns="" w="9525">
+                  <a14:hiddenLine xmlns="" xmlns:a14="http://schemas.microsoft.com/office/drawing/2010/main" w="9525">
                     <a:solidFill>
                       <a:srgbClr val="000000"/>
                     </a:solidFill>
@@ -9777,7 +9783,7 @@
               </a:ln>
               <a:extLst>
                 <a:ext uri="{91240B29-F687-4f45-9708-019B960494DF}">
-                  <a14:hiddenLine xmlns:a14="http://schemas.microsoft.com/office/drawing/2010/main" xmlns="" w="9525">
+                  <a14:hiddenLine xmlns="" xmlns:a14="http://schemas.microsoft.com/office/drawing/2010/main" w="9525">
                     <a:solidFill>
                       <a:srgbClr val="000000"/>
                     </a:solidFill>
@@ -9839,7 +9845,7 @@
               </a:ln>
               <a:extLst>
                 <a:ext uri="{91240B29-F687-4f45-9708-019B960494DF}">
-                  <a14:hiddenLine xmlns:a14="http://schemas.microsoft.com/office/drawing/2010/main" xmlns="" w="9525">
+                  <a14:hiddenLine xmlns="" xmlns:a14="http://schemas.microsoft.com/office/drawing/2010/main" w="9525">
                     <a:solidFill>
                       <a:srgbClr val="000000"/>
                     </a:solidFill>
@@ -9949,7 +9955,7 @@
               </a:ln>
               <a:extLst>
                 <a:ext uri="{91240B29-F687-4f45-9708-019B960494DF}">
-                  <a14:hiddenLine xmlns:a14="http://schemas.microsoft.com/office/drawing/2010/main" xmlns="" w="9525">
+                  <a14:hiddenLine xmlns="" xmlns:a14="http://schemas.microsoft.com/office/drawing/2010/main" w="9525">
                     <a:solidFill>
                       <a:srgbClr val="000000"/>
                     </a:solidFill>
@@ -10033,7 +10039,7 @@
               </a:ln>
               <a:extLst>
                 <a:ext uri="{91240B29-F687-4f45-9708-019B960494DF}">
-                  <a14:hiddenLine xmlns:a14="http://schemas.microsoft.com/office/drawing/2010/main" xmlns="" w="9525">
+                  <a14:hiddenLine xmlns="" xmlns:a14="http://schemas.microsoft.com/office/drawing/2010/main" w="9525">
                     <a:solidFill>
                       <a:srgbClr val="000000"/>
                     </a:solidFill>
@@ -10095,7 +10101,7 @@
               </a:ln>
               <a:extLst>
                 <a:ext uri="{91240B29-F687-4f45-9708-019B960494DF}">
-                  <a14:hiddenLine xmlns:a14="http://schemas.microsoft.com/office/drawing/2010/main" xmlns="" w="9525">
+                  <a14:hiddenLine xmlns="" xmlns:a14="http://schemas.microsoft.com/office/drawing/2010/main" w="9525">
                     <a:solidFill>
                       <a:srgbClr val="000000"/>
                     </a:solidFill>
@@ -10157,7 +10163,7 @@
               </a:ln>
               <a:extLst>
                 <a:ext uri="{91240B29-F687-4f45-9708-019B960494DF}">
-                  <a14:hiddenLine xmlns:a14="http://schemas.microsoft.com/office/drawing/2010/main" xmlns="" w="9525">
+                  <a14:hiddenLine xmlns="" xmlns:a14="http://schemas.microsoft.com/office/drawing/2010/main" w="9525">
                     <a:solidFill>
                       <a:srgbClr val="000000"/>
                     </a:solidFill>
@@ -10247,7 +10253,7 @@
               </a:ln>
               <a:extLst>
                 <a:ext uri="{91240B29-F687-4f45-9708-019B960494DF}">
-                  <a14:hiddenLine xmlns:a14="http://schemas.microsoft.com/office/drawing/2010/main" xmlns="" w="9525">
+                  <a14:hiddenLine xmlns="" xmlns:a14="http://schemas.microsoft.com/office/drawing/2010/main" w="9525">
                     <a:solidFill>
                       <a:srgbClr val="000000"/>
                     </a:solidFill>
@@ -10281,7 +10287,7 @@
               </a:ln>
               <a:extLst>
                 <a:ext uri="{91240B29-F687-4f45-9708-019B960494DF}">
-                  <a14:hiddenLine xmlns:a14="http://schemas.microsoft.com/office/drawing/2010/main" xmlns="" w="9525">
+                  <a14:hiddenLine xmlns="" xmlns:a14="http://schemas.microsoft.com/office/drawing/2010/main" w="9525">
                     <a:solidFill>
                       <a:srgbClr val="000000"/>
                     </a:solidFill>
@@ -10346,7 +10352,7 @@
               </a:ln>
               <a:extLst>
                 <a:ext uri="{91240B29-F687-4f45-9708-019B960494DF}">
-                  <a14:hiddenLine xmlns:a14="http://schemas.microsoft.com/office/drawing/2010/main" xmlns="" w="9525">
+                  <a14:hiddenLine xmlns="" xmlns:a14="http://schemas.microsoft.com/office/drawing/2010/main" w="9525">
                     <a:solidFill>
                       <a:srgbClr val="000000"/>
                     </a:solidFill>
@@ -10436,7 +10442,7 @@
               </a:ln>
               <a:extLst>
                 <a:ext uri="{91240B29-F687-4f45-9708-019B960494DF}">
-                  <a14:hiddenLine xmlns:a14="http://schemas.microsoft.com/office/drawing/2010/main" xmlns="" w="9525">
+                  <a14:hiddenLine xmlns="" xmlns:a14="http://schemas.microsoft.com/office/drawing/2010/main" w="9525">
                     <a:solidFill>
                       <a:srgbClr val="000000"/>
                     </a:solidFill>
@@ -10498,7 +10504,7 @@
               </a:ln>
               <a:extLst>
                 <a:ext uri="{91240B29-F687-4f45-9708-019B960494DF}">
-                  <a14:hiddenLine xmlns:a14="http://schemas.microsoft.com/office/drawing/2010/main" xmlns="" w="9525">
+                  <a14:hiddenLine xmlns="" xmlns:a14="http://schemas.microsoft.com/office/drawing/2010/main" w="9525">
                     <a:solidFill>
                       <a:srgbClr val="000000"/>
                     </a:solidFill>
@@ -10588,7 +10594,7 @@
               </a:ln>
               <a:extLst>
                 <a:ext uri="{91240B29-F687-4f45-9708-019B960494DF}">
-                  <a14:hiddenLine xmlns:a14="http://schemas.microsoft.com/office/drawing/2010/main" xmlns="" w="9525">
+                  <a14:hiddenLine xmlns="" xmlns:a14="http://schemas.microsoft.com/office/drawing/2010/main" w="9525">
                     <a:solidFill>
                       <a:srgbClr val="000000"/>
                     </a:solidFill>
@@ -10653,7 +10659,7 @@
               </a:ln>
               <a:extLst>
                 <a:ext uri="{91240B29-F687-4f45-9708-019B960494DF}">
-                  <a14:hiddenLine xmlns:a14="http://schemas.microsoft.com/office/drawing/2010/main" xmlns="" w="9525">
+                  <a14:hiddenLine xmlns="" xmlns:a14="http://schemas.microsoft.com/office/drawing/2010/main" w="9525">
                     <a:solidFill>
                       <a:srgbClr val="000000"/>
                     </a:solidFill>
@@ -10715,7 +10721,7 @@
               </a:ln>
               <a:extLst>
                 <a:ext uri="{91240B29-F687-4f45-9708-019B960494DF}">
-                  <a14:hiddenLine xmlns:a14="http://schemas.microsoft.com/office/drawing/2010/main" xmlns="" w="9525">
+                  <a14:hiddenLine xmlns="" xmlns:a14="http://schemas.microsoft.com/office/drawing/2010/main" w="9525">
                     <a:solidFill>
                       <a:srgbClr val="000000"/>
                     </a:solidFill>
@@ -10805,7 +10811,7 @@
               </a:ln>
               <a:extLst>
                 <a:ext uri="{91240B29-F687-4f45-9708-019B960494DF}">
-                  <a14:hiddenLine xmlns:a14="http://schemas.microsoft.com/office/drawing/2010/main" xmlns="" w="9525">
+                  <a14:hiddenLine xmlns="" xmlns:a14="http://schemas.microsoft.com/office/drawing/2010/main" w="9525">
                     <a:solidFill>
                       <a:srgbClr val="000000"/>
                     </a:solidFill>
@@ -10895,7 +10901,7 @@
               </a:ln>
               <a:extLst>
                 <a:ext uri="{91240B29-F687-4f45-9708-019B960494DF}">
-                  <a14:hiddenLine xmlns:a14="http://schemas.microsoft.com/office/drawing/2010/main" xmlns="" w="9525">
+                  <a14:hiddenLine xmlns="" xmlns:a14="http://schemas.microsoft.com/office/drawing/2010/main" w="9525">
                     <a:solidFill>
                       <a:srgbClr val="000000"/>
                     </a:solidFill>
@@ -10960,7 +10966,7 @@
               </a:ln>
               <a:extLst>
                 <a:ext uri="{91240B29-F687-4f45-9708-019B960494DF}">
-                  <a14:hiddenLine xmlns:a14="http://schemas.microsoft.com/office/drawing/2010/main" xmlns="" w="9525">
+                  <a14:hiddenLine xmlns="" xmlns:a14="http://schemas.microsoft.com/office/drawing/2010/main" w="9525">
                     <a:solidFill>
                       <a:srgbClr val="000000"/>
                     </a:solidFill>
@@ -11080,7 +11086,7 @@
               </a:ln>
               <a:extLst>
                 <a:ext uri="{91240B29-F687-4f45-9708-019B960494DF}">
-                  <a14:hiddenLine xmlns:a14="http://schemas.microsoft.com/office/drawing/2010/main" xmlns="" w="9525">
+                  <a14:hiddenLine xmlns="" xmlns:a14="http://schemas.microsoft.com/office/drawing/2010/main" w="9525">
                     <a:solidFill>
                       <a:srgbClr val="000000"/>
                     </a:solidFill>
@@ -11178,7 +11184,7 @@
               </a:ln>
               <a:extLst>
                 <a:ext uri="{91240B29-F687-4f45-9708-019B960494DF}">
-                  <a14:hiddenLine xmlns:a14="http://schemas.microsoft.com/office/drawing/2010/main" xmlns="" w="9525">
+                  <a14:hiddenLine xmlns="" xmlns:a14="http://schemas.microsoft.com/office/drawing/2010/main" w="9525">
                     <a:solidFill>
                       <a:srgbClr val="000000"/>
                     </a:solidFill>
@@ -11293,7 +11299,7 @@
               </a:ln>
               <a:extLst>
                 <a:ext uri="{91240B29-F687-4f45-9708-019B960494DF}">
-                  <a14:hiddenLine xmlns:a14="http://schemas.microsoft.com/office/drawing/2010/main" xmlns="" w="9525">
+                  <a14:hiddenLine xmlns="" xmlns:a14="http://schemas.microsoft.com/office/drawing/2010/main" w="9525">
                     <a:solidFill>
                       <a:srgbClr val="000000"/>
                     </a:solidFill>
@@ -11383,7 +11389,7 @@
               </a:ln>
               <a:extLst>
                 <a:ext uri="{91240B29-F687-4f45-9708-019B960494DF}">
-                  <a14:hiddenLine xmlns:a14="http://schemas.microsoft.com/office/drawing/2010/main" xmlns="" w="9525">
+                  <a14:hiddenLine xmlns="" xmlns:a14="http://schemas.microsoft.com/office/drawing/2010/main" w="9525">
                     <a:solidFill>
                       <a:srgbClr val="000000"/>
                     </a:solidFill>
@@ -11448,7 +11454,7 @@
               </a:ln>
               <a:extLst>
                 <a:ext uri="{91240B29-F687-4f45-9708-019B960494DF}">
-                  <a14:hiddenLine xmlns:a14="http://schemas.microsoft.com/office/drawing/2010/main" xmlns="" w="9525">
+                  <a14:hiddenLine xmlns="" xmlns:a14="http://schemas.microsoft.com/office/drawing/2010/main" w="9525">
                     <a:solidFill>
                       <a:srgbClr val="000000"/>
                     </a:solidFill>
@@ -11538,7 +11544,7 @@
               </a:ln>
               <a:extLst>
                 <a:ext uri="{91240B29-F687-4f45-9708-019B960494DF}">
-                  <a14:hiddenLine xmlns:a14="http://schemas.microsoft.com/office/drawing/2010/main" xmlns="" w="9525">
+                  <a14:hiddenLine xmlns="" xmlns:a14="http://schemas.microsoft.com/office/drawing/2010/main" w="9525">
                     <a:solidFill>
                       <a:srgbClr val="000000"/>
                     </a:solidFill>
@@ -11606,7 +11612,7 @@
               </a:ln>
               <a:extLst>
                 <a:ext uri="{91240B29-F687-4f45-9708-019B960494DF}">
-                  <a14:hiddenLine xmlns:a14="http://schemas.microsoft.com/office/drawing/2010/main" xmlns="" w="9525">
+                  <a14:hiddenLine xmlns="" xmlns:a14="http://schemas.microsoft.com/office/drawing/2010/main" w="9525">
                     <a:solidFill>
                       <a:srgbClr val="000000"/>
                     </a:solidFill>
@@ -11696,7 +11702,7 @@
               </a:ln>
               <a:extLst>
                 <a:ext uri="{91240B29-F687-4f45-9708-019B960494DF}">
-                  <a14:hiddenLine xmlns:a14="http://schemas.microsoft.com/office/drawing/2010/main" xmlns="" w="9525">
+                  <a14:hiddenLine xmlns="" xmlns:a14="http://schemas.microsoft.com/office/drawing/2010/main" w="9525">
                     <a:solidFill>
                       <a:srgbClr val="000000"/>
                     </a:solidFill>
@@ -11764,7 +11770,7 @@
               </a:ln>
               <a:extLst>
                 <a:ext uri="{91240B29-F687-4f45-9708-019B960494DF}">
-                  <a14:hiddenLine xmlns:a14="http://schemas.microsoft.com/office/drawing/2010/main" xmlns="" w="9525">
+                  <a14:hiddenLine xmlns="" xmlns:a14="http://schemas.microsoft.com/office/drawing/2010/main" w="9525">
                     <a:solidFill>
                       <a:srgbClr val="000000"/>
                     </a:solidFill>
@@ -11854,7 +11860,7 @@
               </a:ln>
               <a:extLst>
                 <a:ext uri="{91240B29-F687-4f45-9708-019B960494DF}">
-                  <a14:hiddenLine xmlns:a14="http://schemas.microsoft.com/office/drawing/2010/main" xmlns="" w="9525">
+                  <a14:hiddenLine xmlns="" xmlns:a14="http://schemas.microsoft.com/office/drawing/2010/main" w="9525">
                     <a:solidFill>
                       <a:srgbClr val="000000"/>
                     </a:solidFill>
@@ -11888,7 +11894,7 @@
               </a:ln>
               <a:extLst>
                 <a:ext uri="{91240B29-F687-4f45-9708-019B960494DF}">
-                  <a14:hiddenLine xmlns:a14="http://schemas.microsoft.com/office/drawing/2010/main" xmlns="" w="9525">
+                  <a14:hiddenLine xmlns="" xmlns:a14="http://schemas.microsoft.com/office/drawing/2010/main" w="9525">
                     <a:solidFill>
                       <a:srgbClr val="000000"/>
                     </a:solidFill>
@@ -12028,7 +12034,7 @@
           <a:p>
             <a:fld id="{259E74AC-406E-4468-95B2-A56629EEAF9A}" type="datetimeFigureOut">
               <a:rPr lang="en-US" smtClean="0"/>
-              <a:t>12/26/2024</a:t>
+              <a:t>1/16/2025</a:t>
             </a:fld>
             <a:endParaRPr lang="en-US"/>
           </a:p>
@@ -13210,6 +13216,117 @@
           <a:bodyPr/>
           <a:lstStyle/>
           <a:p>
+            <a:endParaRPr lang="en-US"/>
+          </a:p>
+        </p:txBody>
+      </p:sp>
+      <p:sp>
+        <p:nvSpPr>
+          <p:cNvPr id="3" name="Объект 2"/>
+          <p:cNvSpPr>
+            <a:spLocks noGrp="1"/>
+          </p:cNvSpPr>
+          <p:nvPr>
+            <p:ph idx="1"/>
+          </p:nvPr>
+        </p:nvSpPr>
+        <p:spPr/>
+        <p:txBody>
+          <a:bodyPr/>
+          <a:lstStyle/>
+          <a:p>
+            <a:endParaRPr lang="en-US"/>
+          </a:p>
+        </p:txBody>
+      </p:sp>
+      <p:pic>
+        <p:nvPicPr>
+          <p:cNvPr id="4" name="Рисунок 3"/>
+          <p:cNvPicPr>
+            <a:picLocks noChangeAspect="1"/>
+          </p:cNvPicPr>
+          <p:nvPr/>
+        </p:nvPicPr>
+        <p:blipFill>
+          <a:blip r:embed="rId2"/>
+          <a:stretch>
+            <a:fillRect/>
+          </a:stretch>
+        </p:blipFill>
+        <p:spPr>
+          <a:xfrm>
+            <a:off x="0" y="0"/>
+            <a:ext cx="12192000" cy="6858000"/>
+          </a:xfrm>
+          <a:prstGeom prst="rect">
+            <a:avLst/>
+          </a:prstGeom>
+        </p:spPr>
+      </p:pic>
+    </p:spTree>
+    <p:extLst>
+      <p:ext uri="{BB962C8B-B14F-4D97-AF65-F5344CB8AC3E}">
+        <p14:creationId xmlns:p14="http://schemas.microsoft.com/office/powerpoint/2010/main" val="2564174713"/>
+      </p:ext>
+    </p:extLst>
+  </p:cSld>
+  <p:clrMapOvr>
+    <a:masterClrMapping/>
+  </p:clrMapOvr>
+  <mc:AlternateContent xmlns:mc="http://schemas.openxmlformats.org/markup-compatibility/2006">
+    <mc:Choice xmlns:p14="http://schemas.microsoft.com/office/powerpoint/2010/main" Requires="p14">
+      <p:transition spd="slow" p14:dur="1600">
+        <p:blinds dir="vert"/>
+      </p:transition>
+    </mc:Choice>
+    <mc:Fallback>
+      <p:transition spd="slow">
+        <p:blinds dir="vert"/>
+      </p:transition>
+    </mc:Fallback>
+  </mc:AlternateContent>
+  <p:timing>
+    <p:tnLst>
+      <p:par>
+        <p:cTn id="1" dur="indefinite" restart="never" nodeType="tmRoot"/>
+      </p:par>
+    </p:tnLst>
+  </p:timing>
+</p:sld>
+</file>
+
+<file path=ppt/slides/slide4.xml><?xml version="1.0" encoding="utf-8"?>
+<p:sld xmlns:a="http://schemas.openxmlformats.org/drawingml/2006/main" xmlns:r="http://schemas.openxmlformats.org/officeDocument/2006/relationships" xmlns:p="http://schemas.openxmlformats.org/presentationml/2006/main">
+  <p:cSld>
+    <p:spTree>
+      <p:nvGrpSpPr>
+        <p:cNvPr id="1" name=""/>
+        <p:cNvGrpSpPr/>
+        <p:nvPr/>
+      </p:nvGrpSpPr>
+      <p:grpSpPr>
+        <a:xfrm>
+          <a:off x="0" y="0"/>
+          <a:ext cx="0" cy="0"/>
+          <a:chOff x="0" y="0"/>
+          <a:chExt cx="0" cy="0"/>
+        </a:xfrm>
+      </p:grpSpPr>
+      <p:sp>
+        <p:nvSpPr>
+          <p:cNvPr id="2" name="Заголовок 1"/>
+          <p:cNvSpPr>
+            <a:spLocks noGrp="1"/>
+          </p:cNvSpPr>
+          <p:nvPr>
+            <p:ph type="title"/>
+          </p:nvPr>
+        </p:nvSpPr>
+        <p:spPr/>
+        <p:txBody>
+          <a:bodyPr/>
+          <a:lstStyle/>
+          <a:p>
             <a:r>
               <a:rPr lang="uk-UA" dirty="0"/>
               <a:t>Реалізовані методи</a:t>
@@ -13414,7 +13531,6 @@
               <a:rPr lang="en-US" dirty="0"/>
               <a:t>;</a:t>
             </a:r>
-            <a:endParaRPr lang="en-US" dirty="0"/>
           </a:p>
         </p:txBody>
       </p:sp>
@@ -13428,13 +13544,13 @@
   <p:clrMapOvr>
     <a:masterClrMapping/>
   </p:clrMapOvr>
-  <mc:AlternateContent xmlns:mc="http://schemas.openxmlformats.org/markup-compatibility/2006">
-    <mc:Choice xmlns:p15="http://schemas.microsoft.com/office/powerpoint/2012/main" Requires="p15">
+  <mc:AlternateContent xmlns:mc="http://schemas.openxmlformats.org/markup-compatibility/2006" xmlns:p15="http://schemas.microsoft.com/office/powerpoint/2012/main">
+    <mc:Choice Requires="p15">
       <p:transition xmlns:p14="http://schemas.microsoft.com/office/powerpoint/2010/main" spd="slow" p14:dur="2000">
         <p15:prstTrans prst="fracture"/>
       </p:transition>
     </mc:Choice>
-    <mc:Fallback>
+    <mc:Fallback xmlns="">
       <p:transition spd="slow">
         <p:fade/>
       </p:transition>
@@ -13450,7 +13566,7 @@
 </p:sld>
 </file>
 
-<file path=ppt/slides/slide4.xml><?xml version="1.0" encoding="utf-8"?>
+<file path=ppt/slides/slide5.xml><?xml version="1.0" encoding="utf-8"?>
 <p:sld xmlns:a="http://schemas.openxmlformats.org/drawingml/2006/main" xmlns:r="http://schemas.openxmlformats.org/officeDocument/2006/relationships" xmlns:p="http://schemas.openxmlformats.org/presentationml/2006/main">
   <p:cSld>
     <p:spTree>
@@ -13597,13 +13713,13 @@
   <p:clrMapOvr>
     <a:masterClrMapping/>
   </p:clrMapOvr>
-  <mc:AlternateContent xmlns:mc="http://schemas.openxmlformats.org/markup-compatibility/2006">
-    <mc:Choice xmlns:p14="http://schemas.microsoft.com/office/powerpoint/2010/main" Requires="p14">
+  <mc:AlternateContent xmlns:mc="http://schemas.openxmlformats.org/markup-compatibility/2006" xmlns:p14="http://schemas.microsoft.com/office/powerpoint/2010/main">
+    <mc:Choice Requires="p14">
       <p:transition spd="slow" p14:dur="3000">
         <p14:shred/>
       </p:transition>
     </mc:Choice>
-    <mc:Fallback>
+    <mc:Fallback xmlns="">
       <p:transition spd="slow">
         <p:fade/>
       </p:transition>
